--- a/androidsec/안드로이드 코드 서명.pptx
+++ b/androidsec/안드로이드 코드 서명.pptx
@@ -13,10 +13,7 @@
     <p:sldId id="260" r:id="rId7"/>
     <p:sldId id="268" r:id="rId8"/>
     <p:sldId id="267" r:id="rId9"/>
-    <p:sldId id="261" r:id="rId10"/>
-    <p:sldId id="262" r:id="rId11"/>
-    <p:sldId id="263" r:id="rId12"/>
-    <p:sldId id="264" r:id="rId13"/>
+    <p:sldId id="262" r:id="rId10"/>
   </p:sldIdLst>
   <p:sldSz cx="12192000" cy="6858000"/>
   <p:notesSz cx="6858000" cy="9144000"/>
@@ -272,7 +269,7 @@
           <a:p>
             <a:fld id="{C8056FC3-0D50-453F-B241-19B3C8123B7F}" type="datetimeFigureOut">
               <a:rPr lang="en-US" smtClean="0"/>
-              <a:t>2019-01-21</a:t>
+              <a:t>2019-01-22</a:t>
             </a:fld>
             <a:endParaRPr lang="en-US"/>
           </a:p>
@@ -472,7 +469,7 @@
           <a:p>
             <a:fld id="{C8056FC3-0D50-453F-B241-19B3C8123B7F}" type="datetimeFigureOut">
               <a:rPr lang="en-US" smtClean="0"/>
-              <a:t>2019-01-21</a:t>
+              <a:t>2019-01-22</a:t>
             </a:fld>
             <a:endParaRPr lang="en-US"/>
           </a:p>
@@ -682,7 +679,7 @@
           <a:p>
             <a:fld id="{C8056FC3-0D50-453F-B241-19B3C8123B7F}" type="datetimeFigureOut">
               <a:rPr lang="en-US" smtClean="0"/>
-              <a:t>2019-01-21</a:t>
+              <a:t>2019-01-22</a:t>
             </a:fld>
             <a:endParaRPr lang="en-US"/>
           </a:p>
@@ -882,7 +879,7 @@
           <a:p>
             <a:fld id="{C8056FC3-0D50-453F-B241-19B3C8123B7F}" type="datetimeFigureOut">
               <a:rPr lang="en-US" smtClean="0"/>
-              <a:t>2019-01-21</a:t>
+              <a:t>2019-01-22</a:t>
             </a:fld>
             <a:endParaRPr lang="en-US"/>
           </a:p>
@@ -1158,7 +1155,7 @@
           <a:p>
             <a:fld id="{C8056FC3-0D50-453F-B241-19B3C8123B7F}" type="datetimeFigureOut">
               <a:rPr lang="en-US" smtClean="0"/>
-              <a:t>2019-01-21</a:t>
+              <a:t>2019-01-22</a:t>
             </a:fld>
             <a:endParaRPr lang="en-US"/>
           </a:p>
@@ -1426,7 +1423,7 @@
           <a:p>
             <a:fld id="{C8056FC3-0D50-453F-B241-19B3C8123B7F}" type="datetimeFigureOut">
               <a:rPr lang="en-US" smtClean="0"/>
-              <a:t>2019-01-21</a:t>
+              <a:t>2019-01-22</a:t>
             </a:fld>
             <a:endParaRPr lang="en-US"/>
           </a:p>
@@ -1841,7 +1838,7 @@
           <a:p>
             <a:fld id="{C8056FC3-0D50-453F-B241-19B3C8123B7F}" type="datetimeFigureOut">
               <a:rPr lang="en-US" smtClean="0"/>
-              <a:t>2019-01-21</a:t>
+              <a:t>2019-01-22</a:t>
             </a:fld>
             <a:endParaRPr lang="en-US"/>
           </a:p>
@@ -1983,7 +1980,7 @@
           <a:p>
             <a:fld id="{C8056FC3-0D50-453F-B241-19B3C8123B7F}" type="datetimeFigureOut">
               <a:rPr lang="en-US" smtClean="0"/>
-              <a:t>2019-01-21</a:t>
+              <a:t>2019-01-22</a:t>
             </a:fld>
             <a:endParaRPr lang="en-US"/>
           </a:p>
@@ -2096,7 +2093,7 @@
           <a:p>
             <a:fld id="{C8056FC3-0D50-453F-B241-19B3C8123B7F}" type="datetimeFigureOut">
               <a:rPr lang="en-US" smtClean="0"/>
-              <a:t>2019-01-21</a:t>
+              <a:t>2019-01-22</a:t>
             </a:fld>
             <a:endParaRPr lang="en-US"/>
           </a:p>
@@ -2409,7 +2406,7 @@
           <a:p>
             <a:fld id="{C8056FC3-0D50-453F-B241-19B3C8123B7F}" type="datetimeFigureOut">
               <a:rPr lang="en-US" smtClean="0"/>
-              <a:t>2019-01-21</a:t>
+              <a:t>2019-01-22</a:t>
             </a:fld>
             <a:endParaRPr lang="en-US"/>
           </a:p>
@@ -2698,7 +2695,7 @@
           <a:p>
             <a:fld id="{C8056FC3-0D50-453F-B241-19B3C8123B7F}" type="datetimeFigureOut">
               <a:rPr lang="en-US" smtClean="0"/>
-              <a:t>2019-01-21</a:t>
+              <a:t>2019-01-22</a:t>
             </a:fld>
             <a:endParaRPr lang="en-US"/>
           </a:p>
@@ -2941,7 +2938,7 @@
           <a:p>
             <a:fld id="{C8056FC3-0D50-453F-B241-19B3C8123B7F}" type="datetimeFigureOut">
               <a:rPr lang="en-US" smtClean="0"/>
-              <a:t>2019-01-21</a:t>
+              <a:t>2019-01-22</a:t>
             </a:fld>
             <a:endParaRPr lang="en-US"/>
           </a:p>
@@ -3433,262 +3430,6 @@
 </p:sld>
 </file>
 
-<file path=ppt/slides/slide10.xml><?xml version="1.0" encoding="utf-8"?>
-<p:sld xmlns:a="http://schemas.openxmlformats.org/drawingml/2006/main" xmlns:r="http://schemas.openxmlformats.org/officeDocument/2006/relationships" xmlns:p="http://schemas.openxmlformats.org/presentationml/2006/main">
-  <p:cSld>
-    <p:spTree>
-      <p:nvGrpSpPr>
-        <p:cNvPr id="1" name=""/>
-        <p:cNvGrpSpPr/>
-        <p:nvPr/>
-      </p:nvGrpSpPr>
-      <p:grpSpPr>
-        <a:xfrm>
-          <a:off x="0" y="0"/>
-          <a:ext cx="0" cy="0"/>
-          <a:chOff x="0" y="0"/>
-          <a:chExt cx="0" cy="0"/>
-        </a:xfrm>
-      </p:grpSpPr>
-      <p:sp>
-        <p:nvSpPr>
-          <p:cNvPr id="2" name="제목 1">
-            <a:extLst>
-              <a:ext uri="{FF2B5EF4-FFF2-40B4-BE49-F238E27FC236}">
-                <a16:creationId xmlns:a16="http://schemas.microsoft.com/office/drawing/2014/main" id="{F8F8AF28-7DF7-4621-AEA8-E5031FA5EBF3}"/>
-              </a:ext>
-            </a:extLst>
-          </p:cNvPr>
-          <p:cNvSpPr>
-            <a:spLocks noGrp="1"/>
-          </p:cNvSpPr>
-          <p:nvPr>
-            <p:ph type="title"/>
-          </p:nvPr>
-        </p:nvSpPr>
-        <p:spPr/>
-        <p:txBody>
-          <a:bodyPr/>
-          <a:lstStyle/>
-          <a:p>
-            <a:r>
-              <a:rPr lang="ko-KR" altLang="en-US" dirty="0"/>
-              <a:t>패키지 업데이트</a:t>
-            </a:r>
-            <a:endParaRPr lang="en-US" dirty="0"/>
-          </a:p>
-        </p:txBody>
-      </p:sp>
-      <p:sp>
-        <p:nvSpPr>
-          <p:cNvPr id="3" name="내용 개체 틀 2">
-            <a:extLst>
-              <a:ext uri="{FF2B5EF4-FFF2-40B4-BE49-F238E27FC236}">
-                <a16:creationId xmlns:a16="http://schemas.microsoft.com/office/drawing/2014/main" id="{A9304577-0C60-425B-80AA-54102E233E8D}"/>
-              </a:ext>
-            </a:extLst>
-          </p:cNvPr>
-          <p:cNvSpPr>
-            <a:spLocks noGrp="1"/>
-          </p:cNvSpPr>
-          <p:nvPr>
-            <p:ph idx="1"/>
-          </p:nvPr>
-        </p:nvSpPr>
-        <p:spPr/>
-        <p:txBody>
-          <a:bodyPr/>
-          <a:lstStyle/>
-          <a:p>
-            <a:endParaRPr lang="en-US"/>
-          </a:p>
-        </p:txBody>
-      </p:sp>
-    </p:spTree>
-    <p:extLst>
-      <p:ext uri="{BB962C8B-B14F-4D97-AF65-F5344CB8AC3E}">
-        <p14:creationId xmlns:p14="http://schemas.microsoft.com/office/powerpoint/2010/main" val="251656063"/>
-      </p:ext>
-    </p:extLst>
-  </p:cSld>
-  <p:clrMapOvr>
-    <a:masterClrMapping/>
-  </p:clrMapOvr>
-</p:sld>
-</file>
-
-<file path=ppt/slides/slide11.xml><?xml version="1.0" encoding="utf-8"?>
-<p:sld xmlns:a="http://schemas.openxmlformats.org/drawingml/2006/main" xmlns:r="http://schemas.openxmlformats.org/officeDocument/2006/relationships" xmlns:p="http://schemas.openxmlformats.org/presentationml/2006/main">
-  <p:cSld>
-    <p:spTree>
-      <p:nvGrpSpPr>
-        <p:cNvPr id="1" name=""/>
-        <p:cNvGrpSpPr/>
-        <p:nvPr/>
-      </p:nvGrpSpPr>
-      <p:grpSpPr>
-        <a:xfrm>
-          <a:off x="0" y="0"/>
-          <a:ext cx="0" cy="0"/>
-          <a:chOff x="0" y="0"/>
-          <a:chExt cx="0" cy="0"/>
-        </a:xfrm>
-      </p:grpSpPr>
-      <p:sp>
-        <p:nvSpPr>
-          <p:cNvPr id="2" name="제목 1">
-            <a:extLst>
-              <a:ext uri="{FF2B5EF4-FFF2-40B4-BE49-F238E27FC236}">
-                <a16:creationId xmlns:a16="http://schemas.microsoft.com/office/drawing/2014/main" id="{C7C905E5-0DA7-477E-8B20-D11978658D9D}"/>
-              </a:ext>
-            </a:extLst>
-          </p:cNvPr>
-          <p:cNvSpPr>
-            <a:spLocks noGrp="1"/>
-          </p:cNvSpPr>
-          <p:nvPr>
-            <p:ph type="title"/>
-          </p:nvPr>
-        </p:nvSpPr>
-        <p:spPr/>
-        <p:txBody>
-          <a:bodyPr/>
-          <a:lstStyle/>
-          <a:p>
-            <a:r>
-              <a:rPr lang="ko-KR" altLang="en-US" dirty="0"/>
-              <a:t>포워드 </a:t>
-            </a:r>
-            <a:r>
-              <a:rPr lang="ko-KR" altLang="en-US" dirty="0" err="1"/>
-              <a:t>락</a:t>
-            </a:r>
-            <a:endParaRPr lang="en-US" dirty="0"/>
-          </a:p>
-        </p:txBody>
-      </p:sp>
-      <p:sp>
-        <p:nvSpPr>
-          <p:cNvPr id="3" name="내용 개체 틀 2">
-            <a:extLst>
-              <a:ext uri="{FF2B5EF4-FFF2-40B4-BE49-F238E27FC236}">
-                <a16:creationId xmlns:a16="http://schemas.microsoft.com/office/drawing/2014/main" id="{9270091E-2AEC-4510-A01C-3A7ACC76F608}"/>
-              </a:ext>
-            </a:extLst>
-          </p:cNvPr>
-          <p:cNvSpPr>
-            <a:spLocks noGrp="1"/>
-          </p:cNvSpPr>
-          <p:nvPr>
-            <p:ph idx="1"/>
-          </p:nvPr>
-        </p:nvSpPr>
-        <p:spPr/>
-        <p:txBody>
-          <a:bodyPr/>
-          <a:lstStyle/>
-          <a:p>
-            <a:endParaRPr lang="en-US"/>
-          </a:p>
-        </p:txBody>
-      </p:sp>
-    </p:spTree>
-    <p:extLst>
-      <p:ext uri="{BB962C8B-B14F-4D97-AF65-F5344CB8AC3E}">
-        <p14:creationId xmlns:p14="http://schemas.microsoft.com/office/powerpoint/2010/main" val="3202897635"/>
-      </p:ext>
-    </p:extLst>
-  </p:cSld>
-  <p:clrMapOvr>
-    <a:masterClrMapping/>
-  </p:clrMapOvr>
-</p:sld>
-</file>
-
-<file path=ppt/slides/slide12.xml><?xml version="1.0" encoding="utf-8"?>
-<p:sld xmlns:a="http://schemas.openxmlformats.org/drawingml/2006/main" xmlns:r="http://schemas.openxmlformats.org/officeDocument/2006/relationships" xmlns:p="http://schemas.openxmlformats.org/presentationml/2006/main">
-  <p:cSld>
-    <p:spTree>
-      <p:nvGrpSpPr>
-        <p:cNvPr id="1" name=""/>
-        <p:cNvGrpSpPr/>
-        <p:nvPr/>
-      </p:nvGrpSpPr>
-      <p:grpSpPr>
-        <a:xfrm>
-          <a:off x="0" y="0"/>
-          <a:ext cx="0" cy="0"/>
-          <a:chOff x="0" y="0"/>
-          <a:chExt cx="0" cy="0"/>
-        </a:xfrm>
-      </p:grpSpPr>
-      <p:sp>
-        <p:nvSpPr>
-          <p:cNvPr id="2" name="제목 1">
-            <a:extLst>
-              <a:ext uri="{FF2B5EF4-FFF2-40B4-BE49-F238E27FC236}">
-                <a16:creationId xmlns:a16="http://schemas.microsoft.com/office/drawing/2014/main" id="{17D71940-DCD3-4B45-9F2B-40CC3EE86A55}"/>
-              </a:ext>
-            </a:extLst>
-          </p:cNvPr>
-          <p:cNvSpPr>
-            <a:spLocks noGrp="1"/>
-          </p:cNvSpPr>
-          <p:nvPr>
-            <p:ph type="title"/>
-          </p:nvPr>
-        </p:nvSpPr>
-        <p:spPr/>
-        <p:txBody>
-          <a:bodyPr/>
-          <a:lstStyle/>
-          <a:p>
-            <a:r>
-              <a:rPr lang="ko-KR" altLang="en-US" dirty="0"/>
-              <a:t>패키지 검증</a:t>
-            </a:r>
-            <a:endParaRPr lang="en-US" dirty="0"/>
-          </a:p>
-        </p:txBody>
-      </p:sp>
-      <p:sp>
-        <p:nvSpPr>
-          <p:cNvPr id="3" name="내용 개체 틀 2">
-            <a:extLst>
-              <a:ext uri="{FF2B5EF4-FFF2-40B4-BE49-F238E27FC236}">
-                <a16:creationId xmlns:a16="http://schemas.microsoft.com/office/drawing/2014/main" id="{BEE8B3D3-A771-44B4-BC3D-6A6753DF7BFE}"/>
-              </a:ext>
-            </a:extLst>
-          </p:cNvPr>
-          <p:cNvSpPr>
-            <a:spLocks noGrp="1"/>
-          </p:cNvSpPr>
-          <p:nvPr>
-            <p:ph idx="1"/>
-          </p:nvPr>
-        </p:nvSpPr>
-        <p:spPr/>
-        <p:txBody>
-          <a:bodyPr/>
-          <a:lstStyle/>
-          <a:p>
-            <a:endParaRPr lang="en-US"/>
-          </a:p>
-        </p:txBody>
-      </p:sp>
-    </p:spTree>
-    <p:extLst>
-      <p:ext uri="{BB962C8B-B14F-4D97-AF65-F5344CB8AC3E}">
-        <p14:creationId xmlns:p14="http://schemas.microsoft.com/office/powerpoint/2010/main" val="851131082"/>
-      </p:ext>
-    </p:extLst>
-  </p:cSld>
-  <p:clrMapOvr>
-    <a:masterClrMapping/>
-  </p:clrMapOvr>
-</p:sld>
-</file>
-
 <file path=ppt/slides/slide2.xml><?xml version="1.0" encoding="utf-8"?>
 <p:sld xmlns:a="http://schemas.openxmlformats.org/drawingml/2006/main" xmlns:r="http://schemas.openxmlformats.org/officeDocument/2006/relationships" xmlns:p="http://schemas.openxmlformats.org/presentationml/2006/main">
   <p:cSld>
@@ -5566,14 +5307,26 @@
           </a:p>
           <a:p>
             <a:r>
+              <a:rPr lang="en-US" dirty="0">
+                <a:solidFill>
+                  <a:schemeClr val="accent1"/>
+                </a:solidFill>
+              </a:rPr>
+              <a:t>Warning:</a:t>
+            </a:r>
+          </a:p>
+          <a:p>
+            <a:r>
+              <a:rPr lang="en-US" dirty="0">
+                <a:solidFill>
+                  <a:schemeClr val="accent1"/>
+                </a:solidFill>
+              </a:rPr>
+              <a:t>The signer's certificate is self-signed</a:t>
+            </a:r>
+            <a:r>
               <a:rPr lang="en-US" dirty="0"/>
-              <a:t>Warning:</a:t>
-            </a:r>
-          </a:p>
-          <a:p>
-            <a:r>
-              <a:rPr lang="en-US" dirty="0"/>
-              <a:t>The signer's certificate is self-signed.</a:t>
+              <a:t>.</a:t>
             </a:r>
           </a:p>
         </p:txBody>
@@ -5655,8 +5408,138 @@
         </p:nvSpPr>
         <p:spPr/>
         <p:txBody>
-          <a:bodyPr/>
-          <a:lstStyle/>
+          <a:bodyPr>
+            <a:normAutofit lnSpcReduction="10000"/>
+          </a:bodyPr>
+          <a:lstStyle/>
+          <a:p>
+            <a:r>
+              <a:rPr lang="ko-KR" altLang="en-US" dirty="0"/>
+              <a:t>자바 코드 서명과 매우 유사함</a:t>
+            </a:r>
+            <a:endParaRPr lang="en-US" altLang="ko-KR" dirty="0"/>
+          </a:p>
+          <a:p>
+            <a:r>
+              <a:rPr lang="ko-KR" altLang="en-US" dirty="0"/>
+              <a:t>안드로이드 코드 서명에서는 </a:t>
+            </a:r>
+            <a:r>
+              <a:rPr lang="en-US" altLang="ko-KR" dirty="0"/>
+              <a:t>CA</a:t>
+            </a:r>
+            <a:r>
+              <a:rPr lang="ko-KR" altLang="en-US" dirty="0"/>
+              <a:t>를 통해 인증서를 받을 필요가 없음</a:t>
+            </a:r>
+            <a:endParaRPr lang="en-US" altLang="ko-KR" dirty="0"/>
+          </a:p>
+          <a:p>
+            <a:pPr lvl="1"/>
+            <a:r>
+              <a:rPr lang="ko-KR" altLang="en-US" dirty="0"/>
+              <a:t>보통 자바나 다른 코드</a:t>
+            </a:r>
+            <a:r>
+              <a:rPr lang="en-US" dirty="0"/>
+              <a:t> </a:t>
+            </a:r>
+            <a:r>
+              <a:rPr lang="ko-KR" altLang="en-US" dirty="0"/>
+              <a:t>서명 인증서는 보통 신뢰 </a:t>
+            </a:r>
+            <a:r>
+              <a:rPr lang="en-US" altLang="ko-KR" dirty="0"/>
+              <a:t>CA(Certificate Authority)</a:t>
+            </a:r>
+            <a:r>
+              <a:rPr lang="ko-KR" altLang="en-US" dirty="0"/>
+              <a:t>를 통해 발급 받아야 함</a:t>
+            </a:r>
+            <a:endParaRPr lang="en-US" altLang="ko-KR" dirty="0"/>
+          </a:p>
+          <a:p>
+            <a:pPr lvl="2"/>
+            <a:r>
+              <a:rPr lang="ko-KR" altLang="en-US" dirty="0"/>
+              <a:t>앞의 예에서 </a:t>
+            </a:r>
+            <a:r>
+              <a:rPr lang="en-US" altLang="ko-KR" dirty="0"/>
+              <a:t>self-signed</a:t>
+            </a:r>
+            <a:r>
+              <a:rPr lang="ko-KR" altLang="en-US" dirty="0"/>
+              <a:t>라고 </a:t>
+            </a:r>
+            <a:r>
+              <a:rPr lang="en-US" altLang="ko-KR" dirty="0"/>
+              <a:t>Warning</a:t>
+            </a:r>
+            <a:r>
+              <a:rPr lang="ko-KR" altLang="en-US" dirty="0"/>
+              <a:t>이 발생한 이유</a:t>
+            </a:r>
+            <a:endParaRPr lang="en-US" altLang="ko-KR" dirty="0"/>
+          </a:p>
+          <a:p>
+            <a:pPr lvl="1"/>
+            <a:r>
+              <a:rPr lang="ko-KR" altLang="en-US" dirty="0"/>
+              <a:t>안드로이드는 셀프 서명된 인증서 사용이 가능함</a:t>
+            </a:r>
+            <a:endParaRPr lang="en-US" altLang="ko-KR" dirty="0"/>
+          </a:p>
+          <a:p>
+            <a:pPr lvl="1"/>
+            <a:r>
+              <a:rPr lang="ko-KR" altLang="en-US" dirty="0"/>
+              <a:t>인증서 유효기간은 무시함</a:t>
+            </a:r>
+            <a:endParaRPr lang="en-US" altLang="ko-KR" dirty="0"/>
+          </a:p>
+          <a:p>
+            <a:r>
+              <a:rPr lang="ko-KR" altLang="en-US" dirty="0"/>
+              <a:t>구글 </a:t>
+            </a:r>
+            <a:r>
+              <a:rPr lang="en-US" altLang="ko-KR" dirty="0"/>
+              <a:t>play store</a:t>
+            </a:r>
+          </a:p>
+          <a:p>
+            <a:pPr lvl="1"/>
+            <a:r>
+              <a:rPr lang="ko-KR" altLang="en-US" dirty="0"/>
+              <a:t>앱 패키지를 </a:t>
+            </a:r>
+            <a:r>
+              <a:rPr lang="en-US" altLang="ko-KR" dirty="0"/>
+              <a:t>play store</a:t>
+            </a:r>
+            <a:r>
+              <a:rPr lang="ko-KR" altLang="en-US" dirty="0"/>
+              <a:t>에 등록하면</a:t>
+            </a:r>
+            <a:r>
+              <a:rPr lang="en-US" altLang="ko-KR" dirty="0"/>
+              <a:t>, play store</a:t>
+            </a:r>
+            <a:r>
+              <a:rPr lang="ko-KR" altLang="en-US" dirty="0"/>
+              <a:t>가 개발자 </a:t>
+            </a:r>
+            <a:r>
+              <a:rPr lang="en-US" altLang="ko-KR" dirty="0"/>
+              <a:t>ID</a:t>
+            </a:r>
+            <a:r>
+              <a:rPr lang="ko-KR" altLang="en-US" dirty="0"/>
+              <a:t>에 해당하는 별도의 키를 발급하여 그 키로 다시 서명을 함</a:t>
+            </a:r>
+            <a:endParaRPr lang="en-US" altLang="ko-KR" dirty="0"/>
+          </a:p>
           <a:p>
             <a:endParaRPr lang="en-US" dirty="0"/>
           </a:p>
@@ -5697,7 +5580,7 @@
           <p:cNvPr id="2" name="제목 1">
             <a:extLst>
               <a:ext uri="{FF2B5EF4-FFF2-40B4-BE49-F238E27FC236}">
-                <a16:creationId xmlns:a16="http://schemas.microsoft.com/office/drawing/2014/main" id="{CE73703A-148E-4A6F-A9AA-25D03A7FE521}"/>
+                <a16:creationId xmlns:a16="http://schemas.microsoft.com/office/drawing/2014/main" id="{F8F8AF28-7DF7-4621-AEA8-E5031FA5EBF3}"/>
               </a:ext>
             </a:extLst>
           </p:cNvPr>
@@ -5715,7 +5598,7 @@
           <a:p>
             <a:r>
               <a:rPr lang="ko-KR" altLang="en-US" dirty="0"/>
-              <a:t>패키지 설치 과정</a:t>
+              <a:t>패키지 업데이트</a:t>
             </a:r>
             <a:endParaRPr lang="en-US" dirty="0"/>
           </a:p>
@@ -5726,7 +5609,7 @@
           <p:cNvPr id="3" name="내용 개체 틀 2">
             <a:extLst>
               <a:ext uri="{FF2B5EF4-FFF2-40B4-BE49-F238E27FC236}">
-                <a16:creationId xmlns:a16="http://schemas.microsoft.com/office/drawing/2014/main" id="{69546F8B-E2B0-4B64-BE7A-39B1650E8848}"/>
+                <a16:creationId xmlns:a16="http://schemas.microsoft.com/office/drawing/2014/main" id="{A9304577-0C60-425B-80AA-54102E233E8D}"/>
               </a:ext>
             </a:extLst>
           </p:cNvPr>
@@ -5742,14 +5625,33 @@
           <a:bodyPr/>
           <a:lstStyle/>
           <a:p>
-            <a:endParaRPr lang="en-US"/>
+            <a:r>
+              <a:rPr lang="ko-KR" altLang="en-US" dirty="0"/>
+              <a:t>안드로이드 앱 패키지 업데이트시 기존 설치된 패키지와 동일한 키로 서명되었는지 검사</a:t>
+            </a:r>
+            <a:endParaRPr lang="en-US" altLang="ko-KR" dirty="0"/>
+          </a:p>
+          <a:p>
+            <a:pPr lvl="1"/>
+            <a:r>
+              <a:rPr lang="ko-KR" altLang="en-US" dirty="0"/>
+              <a:t>인증서의 유효 기간 등은 검사하지 않음</a:t>
+            </a:r>
+            <a:endParaRPr lang="en-US" altLang="ko-KR" dirty="0"/>
+          </a:p>
+          <a:p>
+            <a:r>
+              <a:rPr lang="ko-KR" altLang="en-US" dirty="0"/>
+              <a:t>패키지 이름이 동일하더라도 다른 키로 서명되었다면 설치가 차단됨</a:t>
+            </a:r>
+            <a:endParaRPr lang="en-US" altLang="ko-KR" dirty="0"/>
           </a:p>
         </p:txBody>
       </p:sp>
     </p:spTree>
     <p:extLst>
       <p:ext uri="{BB962C8B-B14F-4D97-AF65-F5344CB8AC3E}">
-        <p14:creationId xmlns:p14="http://schemas.microsoft.com/office/powerpoint/2010/main" val="3436245407"/>
+        <p14:creationId xmlns:p14="http://schemas.microsoft.com/office/powerpoint/2010/main" val="251656063"/>
       </p:ext>
     </p:extLst>
   </p:cSld>
